--- a/Moore_NIHOralDigitTask_PowerPoint.pptx
+++ b/Moore_NIHOralDigitTask_PowerPoint.pptx
@@ -2,11 +2,11 @@
 <file path=ppt/presentation.xml><?xml version="1.0" encoding="utf-8"?>
 <p:presentation xmlns:a="http://schemas.openxmlformats.org/drawingml/2006/main" xmlns:r="http://schemas.openxmlformats.org/officeDocument/2006/relationships" xmlns:p="http://schemas.openxmlformats.org/presentationml/2006/main" saveSubsetFonts="1">
   <p:sldMasterIdLst>
-    <p:sldMasterId id="2147483648" r:id="rId1"/>
+    <p:sldMasterId id="2147483648" r:id="rId4"/>
   </p:sldMasterIdLst>
   <p:sldIdLst>
-    <p:sldId id="256" r:id="rId2"/>
-    <p:sldId id="257" r:id="rId3"/>
+    <p:sldId id="256" r:id="rId5"/>
+    <p:sldId id="257" r:id="rId6"/>
   </p:sldIdLst>
   <p:sldSz cx="12192000" cy="6858000"/>
   <p:notesSz cx="6858000" cy="9144000"/>
@@ -105,6 +105,11 @@
       </a:defRPr>
     </a:lvl9pPr>
   </p:defaultTextStyle>
+  <p:extLst>
+    <p:ext uri="{EFAFB233-063F-42B5-8137-9DF3F51BA10A}">
+      <p15:sldGuideLst xmlns:p15="http://schemas.microsoft.com/office/powerpoint/2012/main"/>
+    </p:ext>
+  </p:extLst>
 </p:presentation>
 </file>
 
@@ -153,7 +158,6 @@
               <a:rPr lang="en-US"/>
               <a:t>Click to edit Master title style</a:t>
             </a:r>
-            <a:endParaRPr lang="en-US"/>
           </a:p>
         </p:txBody>
       </p:sp>
@@ -218,7 +222,6 @@
               <a:rPr lang="en-US"/>
               <a:t>Click to edit Master subtitle style</a:t>
             </a:r>
-            <a:endParaRPr lang="en-US"/>
           </a:p>
         </p:txBody>
       </p:sp>
@@ -239,7 +242,7 @@
           <a:p>
             <a:fld id="{5E1E565F-939B-4EF4-9B69-071C9329E008}" type="datetimeFigureOut">
               <a:rPr lang="en-US" smtClean="0"/>
-              <a:t>8/29/2016</a:t>
+              <a:t>2/22/2022</a:t>
             </a:fld>
             <a:endParaRPr lang="en-US"/>
           </a:p>
@@ -336,7 +339,6 @@
               <a:rPr lang="en-US"/>
               <a:t>Click to edit Master title style</a:t>
             </a:r>
-            <a:endParaRPr lang="en-US"/>
           </a:p>
         </p:txBody>
       </p:sp>
@@ -388,7 +390,6 @@
               <a:rPr lang="en-US"/>
               <a:t>Fifth level</a:t>
             </a:r>
-            <a:endParaRPr lang="en-US"/>
           </a:p>
         </p:txBody>
       </p:sp>
@@ -409,7 +410,7 @@
           <a:p>
             <a:fld id="{5E1E565F-939B-4EF4-9B69-071C9329E008}" type="datetimeFigureOut">
               <a:rPr lang="en-US" smtClean="0"/>
-              <a:t>8/29/2016</a:t>
+              <a:t>2/22/2022</a:t>
             </a:fld>
             <a:endParaRPr lang="en-US"/>
           </a:p>
@@ -511,7 +512,6 @@
               <a:rPr lang="en-US"/>
               <a:t>Click to edit Master title style</a:t>
             </a:r>
-            <a:endParaRPr lang="en-US"/>
           </a:p>
         </p:txBody>
       </p:sp>
@@ -568,7 +568,6 @@
               <a:rPr lang="en-US"/>
               <a:t>Fifth level</a:t>
             </a:r>
-            <a:endParaRPr lang="en-US"/>
           </a:p>
         </p:txBody>
       </p:sp>
@@ -589,7 +588,7 @@
           <a:p>
             <a:fld id="{5E1E565F-939B-4EF4-9B69-071C9329E008}" type="datetimeFigureOut">
               <a:rPr lang="en-US" smtClean="0"/>
-              <a:t>8/29/2016</a:t>
+              <a:t>2/22/2022</a:t>
             </a:fld>
             <a:endParaRPr lang="en-US"/>
           </a:p>
@@ -686,7 +685,6 @@
               <a:rPr lang="en-US"/>
               <a:t>Click to edit Master title style</a:t>
             </a:r>
-            <a:endParaRPr lang="en-US"/>
           </a:p>
         </p:txBody>
       </p:sp>
@@ -738,7 +736,6 @@
               <a:rPr lang="en-US"/>
               <a:t>Fifth level</a:t>
             </a:r>
-            <a:endParaRPr lang="en-US"/>
           </a:p>
         </p:txBody>
       </p:sp>
@@ -759,7 +756,7 @@
           <a:p>
             <a:fld id="{5E1E565F-939B-4EF4-9B69-071C9329E008}" type="datetimeFigureOut">
               <a:rPr lang="en-US" smtClean="0"/>
-              <a:t>8/29/2016</a:t>
+              <a:t>2/22/2022</a:t>
             </a:fld>
             <a:endParaRPr lang="en-US"/>
           </a:p>
@@ -865,7 +862,6 @@
               <a:rPr lang="en-US"/>
               <a:t>Click to edit Master title style</a:t>
             </a:r>
-            <a:endParaRPr lang="en-US"/>
           </a:p>
         </p:txBody>
       </p:sp>
@@ -1005,7 +1001,7 @@
           <a:p>
             <a:fld id="{5E1E565F-939B-4EF4-9B69-071C9329E008}" type="datetimeFigureOut">
               <a:rPr lang="en-US" smtClean="0"/>
-              <a:t>8/29/2016</a:t>
+              <a:t>2/22/2022</a:t>
             </a:fld>
             <a:endParaRPr lang="en-US"/>
           </a:p>
@@ -1102,7 +1098,6 @@
               <a:rPr lang="en-US"/>
               <a:t>Click to edit Master title style</a:t>
             </a:r>
-            <a:endParaRPr lang="en-US"/>
           </a:p>
         </p:txBody>
       </p:sp>
@@ -1159,7 +1154,6 @@
               <a:rPr lang="en-US"/>
               <a:t>Fifth level</a:t>
             </a:r>
-            <a:endParaRPr lang="en-US"/>
           </a:p>
         </p:txBody>
       </p:sp>
@@ -1216,7 +1210,6 @@
               <a:rPr lang="en-US"/>
               <a:t>Fifth level</a:t>
             </a:r>
-            <a:endParaRPr lang="en-US"/>
           </a:p>
         </p:txBody>
       </p:sp>
@@ -1237,7 +1230,7 @@
           <a:p>
             <a:fld id="{5E1E565F-939B-4EF4-9B69-071C9329E008}" type="datetimeFigureOut">
               <a:rPr lang="en-US" smtClean="0"/>
-              <a:t>8/29/2016</a:t>
+              <a:t>2/22/2022</a:t>
             </a:fld>
             <a:endParaRPr lang="en-US"/>
           </a:p>
@@ -1339,7 +1332,6 @@
               <a:rPr lang="en-US"/>
               <a:t>Click to edit Master title style</a:t>
             </a:r>
-            <a:endParaRPr lang="en-US"/>
           </a:p>
         </p:txBody>
       </p:sp>
@@ -1461,7 +1453,6 @@
               <a:rPr lang="en-US"/>
               <a:t>Fifth level</a:t>
             </a:r>
-            <a:endParaRPr lang="en-US"/>
           </a:p>
         </p:txBody>
       </p:sp>
@@ -1583,7 +1574,6 @@
               <a:rPr lang="en-US"/>
               <a:t>Fifth level</a:t>
             </a:r>
-            <a:endParaRPr lang="en-US"/>
           </a:p>
         </p:txBody>
       </p:sp>
@@ -1604,7 +1594,7 @@
           <a:p>
             <a:fld id="{5E1E565F-939B-4EF4-9B69-071C9329E008}" type="datetimeFigureOut">
               <a:rPr lang="en-US" smtClean="0"/>
-              <a:t>8/29/2016</a:t>
+              <a:t>2/22/2022</a:t>
             </a:fld>
             <a:endParaRPr lang="en-US"/>
           </a:p>
@@ -1701,7 +1691,6 @@
               <a:rPr lang="en-US"/>
               <a:t>Click to edit Master title style</a:t>
             </a:r>
-            <a:endParaRPr lang="en-US"/>
           </a:p>
         </p:txBody>
       </p:sp>
@@ -1722,7 +1711,7 @@
           <a:p>
             <a:fld id="{5E1E565F-939B-4EF4-9B69-071C9329E008}" type="datetimeFigureOut">
               <a:rPr lang="en-US" smtClean="0"/>
-              <a:t>8/29/2016</a:t>
+              <a:t>2/22/2022</a:t>
             </a:fld>
             <a:endParaRPr lang="en-US"/>
           </a:p>
@@ -1817,7 +1806,7 @@
           <a:p>
             <a:fld id="{5E1E565F-939B-4EF4-9B69-071C9329E008}" type="datetimeFigureOut">
               <a:rPr lang="en-US" smtClean="0"/>
-              <a:t>8/29/2016</a:t>
+              <a:t>2/22/2022</a:t>
             </a:fld>
             <a:endParaRPr lang="en-US"/>
           </a:p>
@@ -1923,7 +1912,6 @@
               <a:rPr lang="en-US"/>
               <a:t>Click to edit Master title style</a:t>
             </a:r>
-            <a:endParaRPr lang="en-US"/>
           </a:p>
         </p:txBody>
       </p:sp>
@@ -2008,7 +1996,6 @@
               <a:rPr lang="en-US"/>
               <a:t>Fifth level</a:t>
             </a:r>
-            <a:endParaRPr lang="en-US"/>
           </a:p>
         </p:txBody>
       </p:sp>
@@ -2094,7 +2081,7 @@
           <a:p>
             <a:fld id="{5E1E565F-939B-4EF4-9B69-071C9329E008}" type="datetimeFigureOut">
               <a:rPr lang="en-US" smtClean="0"/>
-              <a:t>8/29/2016</a:t>
+              <a:t>2/22/2022</a:t>
             </a:fld>
             <a:endParaRPr lang="en-US"/>
           </a:p>
@@ -2200,7 +2187,6 @@
               <a:rPr lang="en-US"/>
               <a:t>Click to edit Master title style</a:t>
             </a:r>
-            <a:endParaRPr lang="en-US"/>
           </a:p>
         </p:txBody>
       </p:sp>
@@ -2347,7 +2333,7 @@
           <a:p>
             <a:fld id="{5E1E565F-939B-4EF4-9B69-071C9329E008}" type="datetimeFigureOut">
               <a:rPr lang="en-US" smtClean="0"/>
-              <a:t>8/29/2016</a:t>
+              <a:t>2/22/2022</a:t>
             </a:fld>
             <a:endParaRPr lang="en-US"/>
           </a:p>
@@ -2459,7 +2445,6 @@
               <a:rPr lang="en-US"/>
               <a:t>Click to edit Master title style</a:t>
             </a:r>
-            <a:endParaRPr lang="en-US"/>
           </a:p>
         </p:txBody>
       </p:sp>
@@ -2521,7 +2506,6 @@
               <a:rPr lang="en-US"/>
               <a:t>Fifth level</a:t>
             </a:r>
-            <a:endParaRPr lang="en-US"/>
           </a:p>
         </p:txBody>
       </p:sp>
@@ -2560,7 +2544,7 @@
           <a:p>
             <a:fld id="{5E1E565F-939B-4EF4-9B69-071C9329E008}" type="datetimeFigureOut">
               <a:rPr lang="en-US" smtClean="0"/>
-              <a:t>8/29/2016</a:t>
+              <a:t>2/22/2022</a:t>
             </a:fld>
             <a:endParaRPr lang="en-US"/>
           </a:p>
@@ -3352,6 +3336,23 @@
 </file>
 
 <file path=customXml/item1.xml><?xml version="1.0" encoding="utf-8"?>
+<p:properties xmlns:p="http://schemas.microsoft.com/office/2006/metadata/properties" xmlns:xsi="http://www.w3.org/2001/XMLSchema-instance" xmlns:pc="http://schemas.microsoft.com/office/infopath/2007/PartnerControls">
+  <documentManagement>
+    <_Flow_SignoffStatus xmlns="0fadb4fc-c553-4278-bd87-851ae66ec4f8" xsi:nil="true"/>
+  </documentManagement>
+</p:properties>
+</file>
+
+<file path=customXml/item2.xml><?xml version="1.0" encoding="utf-8"?>
+<?mso-contentType ?>
+<FormTemplates xmlns="http://schemas.microsoft.com/sharepoint/v3/contenttype/forms">
+  <Display>DocumentLibraryForm</Display>
+  <Edit>DocumentLibraryForm</Edit>
+  <New>DocumentLibraryForm</New>
+</FormTemplates>
+</file>
+
+<file path=customXml/item3.xml><?xml version="1.0" encoding="utf-8"?>
 <ct:contentTypeSchema xmlns:ct="http://schemas.microsoft.com/office/2006/metadata/contentType" xmlns:ma="http://schemas.microsoft.com/office/2006/metadata/properties/metaAttributes" ct:_="" ma:_="" ma:contentTypeName="Document" ma:contentTypeID="0x010100A3E7723E2C2E134798423C493352D0E8" ma:contentTypeVersion="13" ma:contentTypeDescription="Create a new document." ma:contentTypeScope="" ma:versionID="ce26d4225e4c58e743e7f86877851b4a">
   <xsd:schema xmlns:xsd="http://www.w3.org/2001/XMLSchema" xmlns:xs="http://www.w3.org/2001/XMLSchema" xmlns:p="http://schemas.microsoft.com/office/2006/metadata/properties" xmlns:ns2="0fadb4fc-c553-4278-bd87-851ae66ec4f8" xmlns:ns3="6d436673-c8fd-4b63-b9e4-ef0ef92d1610" targetNamespace="http://schemas.microsoft.com/office/2006/metadata/properties" ma:root="true" ma:fieldsID="13b755c53fd2d05b0a06af3e35106701" ns2:_="" ns3:_="">
     <xsd:import namespace="0fadb4fc-c553-4278-bd87-851ae66ec4f8"/>
@@ -3574,85 +3575,39 @@
 </ct:contentTypeSchema>
 </file>
 
-<file path=customXml/item2.xml><?xml version="1.0" encoding="utf-8"?>
-<?mso-contentType ?>
-<FormTemplates xmlns="http://schemas.microsoft.com/sharepoint/v3/contenttype/forms">
-  <Display>DocumentLibraryForm</Display>
-  <Edit>DocumentLibraryForm</Edit>
-  <New>DocumentLibraryForm</New>
-</FormTemplates>
-</file>
-
-<file path=customXml/item3.xml><?xml version="1.0" encoding="utf-8"?>
-<p:properties xmlns:p="http://schemas.microsoft.com/office/2006/metadata/properties" xmlns:xsi="http://www.w3.org/2001/XMLSchema-instance" xmlns:pc="http://schemas.microsoft.com/office/infopath/2007/PartnerControls">
-  <documentManagement>
-    <_Flow_SignoffStatus xmlns="0fadb4fc-c553-4278-bd87-851ae66ec4f8" xsi:nil="true"/>
-  </documentManagement>
-</p:properties>
-</file>
-
-<file path=customXml/item4.xml><?xml version="1.0" encoding="utf-8"?>
-<?mso-contentType ?>
-<spe:Receivers xmlns:spe="http://schemas.microsoft.com/sharepoint/events">
-  <Receiver>
-    <Name>Document ID Generator</Name>
-    <Synchronization>Synchronous</Synchronization>
-    <Type>10001</Type>
-    <SequenceNumber>1000</SequenceNumber>
-    <Url/>
-    <Assembly>Microsoft.Office.DocumentManagement, Version=16.0.0.0, Culture=neutral, PublicKeyToken=71e9bce111e9429c</Assembly>
-    <Class>Microsoft.Office.DocumentManagement.Internal.DocIdHandler</Class>
-    <Data/>
-    <Filter/>
-  </Receiver>
-  <Receiver>
-    <Name>Document ID Generator</Name>
-    <Synchronization>Synchronous</Synchronization>
-    <Type>10002</Type>
-    <SequenceNumber>1001</SequenceNumber>
-    <Url/>
-    <Assembly>Microsoft.Office.DocumentManagement, Version=16.0.0.0, Culture=neutral, PublicKeyToken=71e9bce111e9429c</Assembly>
-    <Class>Microsoft.Office.DocumentManagement.Internal.DocIdHandler</Class>
-    <Data/>
-    <Filter/>
-  </Receiver>
-  <Receiver>
-    <Name>Document ID Generator</Name>
-    <Synchronization>Synchronous</Synchronization>
-    <Type>10004</Type>
-    <SequenceNumber>1002</SequenceNumber>
-    <Url/>
-    <Assembly>Microsoft.Office.DocumentManagement, Version=16.0.0.0, Culture=neutral, PublicKeyToken=71e9bce111e9429c</Assembly>
-    <Class>Microsoft.Office.DocumentManagement.Internal.DocIdHandler</Class>
-    <Data/>
-    <Filter/>
-  </Receiver>
-  <Receiver>
-    <Name>Document ID Generator</Name>
-    <Synchronization>Synchronous</Synchronization>
-    <Type>10006</Type>
-    <SequenceNumber>1003</SequenceNumber>
-    <Url/>
-    <Assembly>Microsoft.Office.DocumentManagement, Version=16.0.0.0, Culture=neutral, PublicKeyToken=71e9bce111e9429c</Assembly>
-    <Class>Microsoft.Office.DocumentManagement.Internal.DocIdHandler</Class>
-    <Data/>
-    <Filter/>
-  </Receiver>
-</spe:Receivers>
-</file>
-
 <file path=customXml/itemProps1.xml><?xml version="1.0" encoding="utf-8"?>
-<ds:datastoreItem xmlns:ds="http://schemas.openxmlformats.org/officeDocument/2006/customXml" ds:itemID="{E631E5CD-0735-44FD-AD89-5306AA592674}"/>
+<ds:datastoreItem xmlns:ds="http://schemas.openxmlformats.org/officeDocument/2006/customXml" ds:itemID="{0A72BE9C-1FB2-491B-AB0F-B70917C84C26}">
+  <ds:schemaRefs>
+    <ds:schemaRef ds:uri="http://schemas.microsoft.com/office/2006/metadata/properties"/>
+    <ds:schemaRef ds:uri="http://schemas.microsoft.com/office/infopath/2007/PartnerControls"/>
+    <ds:schemaRef ds:uri="0fadb4fc-c553-4278-bd87-851ae66ec4f8"/>
+  </ds:schemaRefs>
+</ds:datastoreItem>
 </file>
 
 <file path=customXml/itemProps2.xml><?xml version="1.0" encoding="utf-8"?>
-<ds:datastoreItem xmlns:ds="http://schemas.openxmlformats.org/officeDocument/2006/customXml" ds:itemID="{B1CB32F0-47AA-45DB-831F-4D5E08E2ABED}"/>
+<ds:datastoreItem xmlns:ds="http://schemas.openxmlformats.org/officeDocument/2006/customXml" ds:itemID="{B1CB32F0-47AA-45DB-831F-4D5E08E2ABED}">
+  <ds:schemaRefs>
+    <ds:schemaRef ds:uri="http://schemas.microsoft.com/sharepoint/v3/contenttype/forms"/>
+  </ds:schemaRefs>
+</ds:datastoreItem>
 </file>
 
 <file path=customXml/itemProps3.xml><?xml version="1.0" encoding="utf-8"?>
-<ds:datastoreItem xmlns:ds="http://schemas.openxmlformats.org/officeDocument/2006/customXml" ds:itemID="{0A72BE9C-1FB2-491B-AB0F-B70917C84C26}"/>
-</file>
-
-<file path=customXml/itemProps4.xml><?xml version="1.0" encoding="utf-8"?>
-<ds:datastoreItem xmlns:ds="http://schemas.openxmlformats.org/officeDocument/2006/customXml" ds:itemID="{04B6F9E3-9E51-433E-9AA5-A0C7988A2307}"/>
+<ds:datastoreItem xmlns:ds="http://schemas.openxmlformats.org/officeDocument/2006/customXml" ds:itemID="{E631E5CD-0735-44FD-AD89-5306AA592674}">
+  <ds:schemaRefs>
+    <ds:schemaRef ds:uri="http://schemas.microsoft.com/office/2006/metadata/contentType"/>
+    <ds:schemaRef ds:uri="http://schemas.microsoft.com/office/2006/metadata/properties/metaAttributes"/>
+    <ds:schemaRef ds:uri="http://www.w3.org/2001/XMLSchema"/>
+    <ds:schemaRef ds:uri="http://schemas.microsoft.com/office/2006/metadata/properties"/>
+    <ds:schemaRef ds:uri="0fadb4fc-c553-4278-bd87-851ae66ec4f8"/>
+    <ds:schemaRef ds:uri="6d436673-c8fd-4b63-b9e4-ef0ef92d1610"/>
+    <ds:schemaRef ds:uri="http://schemas.microsoft.com/office/2006/documentManagement/types"/>
+    <ds:schemaRef ds:uri="http://schemas.microsoft.com/office/infopath/2007/PartnerControls"/>
+    <ds:schemaRef ds:uri="http://schemas.openxmlformats.org/package/2006/metadata/core-properties"/>
+    <ds:schemaRef ds:uri="http://purl.org/dc/elements/1.1/"/>
+    <ds:schemaRef ds:uri="http://purl.org/dc/terms/"/>
+    <ds:schemaRef ds:uri="http://schemas.microsoft.com/internal/obd"/>
+  </ds:schemaRefs>
+</ds:datastoreItem>
 </file>
--- a/Moore_NIHOralDigitTask_PowerPoint.pptx
+++ b/Moore_NIHOralDigitTask_PowerPoint.pptx
@@ -242,7 +242,7 @@
           <a:p>
             <a:fld id="{5E1E565F-939B-4EF4-9B69-071C9329E008}" type="datetimeFigureOut">
               <a:rPr lang="en-US" smtClean="0"/>
-              <a:t>2/22/2022</a:t>
+              <a:t>4/21/2022</a:t>
             </a:fld>
             <a:endParaRPr lang="en-US"/>
           </a:p>
@@ -410,7 +410,7 @@
           <a:p>
             <a:fld id="{5E1E565F-939B-4EF4-9B69-071C9329E008}" type="datetimeFigureOut">
               <a:rPr lang="en-US" smtClean="0"/>
-              <a:t>2/22/2022</a:t>
+              <a:t>4/21/2022</a:t>
             </a:fld>
             <a:endParaRPr lang="en-US"/>
           </a:p>
@@ -588,7 +588,7 @@
           <a:p>
             <a:fld id="{5E1E565F-939B-4EF4-9B69-071C9329E008}" type="datetimeFigureOut">
               <a:rPr lang="en-US" smtClean="0"/>
-              <a:t>2/22/2022</a:t>
+              <a:t>4/21/2022</a:t>
             </a:fld>
             <a:endParaRPr lang="en-US"/>
           </a:p>
@@ -756,7 +756,7 @@
           <a:p>
             <a:fld id="{5E1E565F-939B-4EF4-9B69-071C9329E008}" type="datetimeFigureOut">
               <a:rPr lang="en-US" smtClean="0"/>
-              <a:t>2/22/2022</a:t>
+              <a:t>4/21/2022</a:t>
             </a:fld>
             <a:endParaRPr lang="en-US"/>
           </a:p>
@@ -1001,7 +1001,7 @@
           <a:p>
             <a:fld id="{5E1E565F-939B-4EF4-9B69-071C9329E008}" type="datetimeFigureOut">
               <a:rPr lang="en-US" smtClean="0"/>
-              <a:t>2/22/2022</a:t>
+              <a:t>4/21/2022</a:t>
             </a:fld>
             <a:endParaRPr lang="en-US"/>
           </a:p>
@@ -1230,7 +1230,7 @@
           <a:p>
             <a:fld id="{5E1E565F-939B-4EF4-9B69-071C9329E008}" type="datetimeFigureOut">
               <a:rPr lang="en-US" smtClean="0"/>
-              <a:t>2/22/2022</a:t>
+              <a:t>4/21/2022</a:t>
             </a:fld>
             <a:endParaRPr lang="en-US"/>
           </a:p>
@@ -1594,7 +1594,7 @@
           <a:p>
             <a:fld id="{5E1E565F-939B-4EF4-9B69-071C9329E008}" type="datetimeFigureOut">
               <a:rPr lang="en-US" smtClean="0"/>
-              <a:t>2/22/2022</a:t>
+              <a:t>4/21/2022</a:t>
             </a:fld>
             <a:endParaRPr lang="en-US"/>
           </a:p>
@@ -1711,7 +1711,7 @@
           <a:p>
             <a:fld id="{5E1E565F-939B-4EF4-9B69-071C9329E008}" type="datetimeFigureOut">
               <a:rPr lang="en-US" smtClean="0"/>
-              <a:t>2/22/2022</a:t>
+              <a:t>4/21/2022</a:t>
             </a:fld>
             <a:endParaRPr lang="en-US"/>
           </a:p>
@@ -1806,7 +1806,7 @@
           <a:p>
             <a:fld id="{5E1E565F-939B-4EF4-9B69-071C9329E008}" type="datetimeFigureOut">
               <a:rPr lang="en-US" smtClean="0"/>
-              <a:t>2/22/2022</a:t>
+              <a:t>4/21/2022</a:t>
             </a:fld>
             <a:endParaRPr lang="en-US"/>
           </a:p>
@@ -2081,7 +2081,7 @@
           <a:p>
             <a:fld id="{5E1E565F-939B-4EF4-9B69-071C9329E008}" type="datetimeFigureOut">
               <a:rPr lang="en-US" smtClean="0"/>
-              <a:t>2/22/2022</a:t>
+              <a:t>4/21/2022</a:t>
             </a:fld>
             <a:endParaRPr lang="en-US"/>
           </a:p>
@@ -2333,7 +2333,7 @@
           <a:p>
             <a:fld id="{5E1E565F-939B-4EF4-9B69-071C9329E008}" type="datetimeFigureOut">
               <a:rPr lang="en-US" smtClean="0"/>
-              <a:t>2/22/2022</a:t>
+              <a:t>4/21/2022</a:t>
             </a:fld>
             <a:endParaRPr lang="en-US"/>
           </a:p>
@@ -2544,7 +2544,7 @@
           <a:p>
             <a:fld id="{5E1E565F-939B-4EF4-9B69-071C9329E008}" type="datetimeFigureOut">
               <a:rPr lang="en-US" smtClean="0"/>
-              <a:t>2/22/2022</a:t>
+              <a:t>4/21/2022</a:t>
             </a:fld>
             <a:endParaRPr lang="en-US"/>
           </a:p>
@@ -3336,23 +3336,6 @@
 </file>
 
 <file path=customXml/item1.xml><?xml version="1.0" encoding="utf-8"?>
-<p:properties xmlns:p="http://schemas.microsoft.com/office/2006/metadata/properties" xmlns:xsi="http://www.w3.org/2001/XMLSchema-instance" xmlns:pc="http://schemas.microsoft.com/office/infopath/2007/PartnerControls">
-  <documentManagement>
-    <_Flow_SignoffStatus xmlns="0fadb4fc-c553-4278-bd87-851ae66ec4f8" xsi:nil="true"/>
-  </documentManagement>
-</p:properties>
-</file>
-
-<file path=customXml/item2.xml><?xml version="1.0" encoding="utf-8"?>
-<?mso-contentType ?>
-<FormTemplates xmlns="http://schemas.microsoft.com/sharepoint/v3/contenttype/forms">
-  <Display>DocumentLibraryForm</Display>
-  <Edit>DocumentLibraryForm</Edit>
-  <New>DocumentLibraryForm</New>
-</FormTemplates>
-</file>
-
-<file path=customXml/item3.xml><?xml version="1.0" encoding="utf-8"?>
 <ct:contentTypeSchema xmlns:ct="http://schemas.microsoft.com/office/2006/metadata/contentType" xmlns:ma="http://schemas.microsoft.com/office/2006/metadata/properties/metaAttributes" ct:_="" ma:_="" ma:contentTypeName="Document" ma:contentTypeID="0x010100A3E7723E2C2E134798423C493352D0E8" ma:contentTypeVersion="13" ma:contentTypeDescription="Create a new document." ma:contentTypeScope="" ma:versionID="ce26d4225e4c58e743e7f86877851b4a">
   <xsd:schema xmlns:xsd="http://www.w3.org/2001/XMLSchema" xmlns:xs="http://www.w3.org/2001/XMLSchema" xmlns:p="http://schemas.microsoft.com/office/2006/metadata/properties" xmlns:ns2="0fadb4fc-c553-4278-bd87-851ae66ec4f8" xmlns:ns3="6d436673-c8fd-4b63-b9e4-ef0ef92d1610" targetNamespace="http://schemas.microsoft.com/office/2006/metadata/properties" ma:root="true" ma:fieldsID="13b755c53fd2d05b0a06af3e35106701" ns2:_="" ns3:_="">
     <xsd:import namespace="0fadb4fc-c553-4278-bd87-851ae66ec4f8"/>
@@ -3575,25 +3558,24 @@
 </ct:contentTypeSchema>
 </file>
 
-<file path=customXml/itemProps1.xml><?xml version="1.0" encoding="utf-8"?>
-<ds:datastoreItem xmlns:ds="http://schemas.openxmlformats.org/officeDocument/2006/customXml" ds:itemID="{0A72BE9C-1FB2-491B-AB0F-B70917C84C26}">
-  <ds:schemaRefs>
-    <ds:schemaRef ds:uri="http://schemas.microsoft.com/office/2006/metadata/properties"/>
-    <ds:schemaRef ds:uri="http://schemas.microsoft.com/office/infopath/2007/PartnerControls"/>
-    <ds:schemaRef ds:uri="0fadb4fc-c553-4278-bd87-851ae66ec4f8"/>
-  </ds:schemaRefs>
-</ds:datastoreItem>
+<file path=customXml/item2.xml><?xml version="1.0" encoding="utf-8"?>
+<?mso-contentType ?>
+<FormTemplates xmlns="http://schemas.microsoft.com/sharepoint/v3/contenttype/forms">
+  <Display>DocumentLibraryForm</Display>
+  <Edit>DocumentLibraryForm</Edit>
+  <New>DocumentLibraryForm</New>
+</FormTemplates>
 </file>
 
-<file path=customXml/itemProps2.xml><?xml version="1.0" encoding="utf-8"?>
-<ds:datastoreItem xmlns:ds="http://schemas.openxmlformats.org/officeDocument/2006/customXml" ds:itemID="{B1CB32F0-47AA-45DB-831F-4D5E08E2ABED}">
-  <ds:schemaRefs>
-    <ds:schemaRef ds:uri="http://schemas.microsoft.com/sharepoint/v3/contenttype/forms"/>
-  </ds:schemaRefs>
-</ds:datastoreItem>
+<file path=customXml/item3.xml><?xml version="1.0" encoding="utf-8"?>
+<p:properties xmlns:p="http://schemas.microsoft.com/office/2006/metadata/properties" xmlns:xsi="http://www.w3.org/2001/XMLSchema-instance" xmlns:pc="http://schemas.microsoft.com/office/infopath/2007/PartnerControls">
+  <documentManagement>
+    <_Flow_SignoffStatus xmlns="0fadb4fc-c553-4278-bd87-851ae66ec4f8" xsi:nil="true"/>
+  </documentManagement>
+</p:properties>
 </file>
 
-<file path=customXml/itemProps3.xml><?xml version="1.0" encoding="utf-8"?>
+<file path=customXml/itemProps1.xml><?xml version="1.0" encoding="utf-8"?>
 <ds:datastoreItem xmlns:ds="http://schemas.openxmlformats.org/officeDocument/2006/customXml" ds:itemID="{E631E5CD-0735-44FD-AD89-5306AA592674}">
   <ds:schemaRefs>
     <ds:schemaRef ds:uri="http://schemas.microsoft.com/office/2006/metadata/contentType"/>
@@ -3610,4 +3592,22 @@
     <ds:schemaRef ds:uri="http://schemas.microsoft.com/internal/obd"/>
   </ds:schemaRefs>
 </ds:datastoreItem>
+</file>
+
+<file path=customXml/itemProps2.xml><?xml version="1.0" encoding="utf-8"?>
+<ds:datastoreItem xmlns:ds="http://schemas.openxmlformats.org/officeDocument/2006/customXml" ds:itemID="{B1CB32F0-47AA-45DB-831F-4D5E08E2ABED}">
+  <ds:schemaRefs>
+    <ds:schemaRef ds:uri="http://schemas.microsoft.com/sharepoint/v3/contenttype/forms"/>
+  </ds:schemaRefs>
+</ds:datastoreItem>
+</file>
+
+<file path=customXml/itemProps3.xml><?xml version="1.0" encoding="utf-8"?>
+<ds:datastoreItem xmlns:ds="http://schemas.openxmlformats.org/officeDocument/2006/customXml" ds:itemID="{0A72BE9C-1FB2-491B-AB0F-B70917C84C26}">
+  <ds:schemaRefs>
+    <ds:schemaRef ds:uri="http://schemas.microsoft.com/office/2006/metadata/properties"/>
+    <ds:schemaRef ds:uri="http://schemas.microsoft.com/office/infopath/2007/PartnerControls"/>
+    <ds:schemaRef ds:uri="0fadb4fc-c553-4278-bd87-851ae66ec4f8"/>
+  </ds:schemaRefs>
+</ds:datastoreItem>
 </file>